--- a/Presentation/Project-2 Slides.pptx
+++ b/Presentation/Project-2 Slides.pptx
@@ -7722,7 +7722,7 @@
         <p:spPr>
           <a:xfrm>
             <a:off x="345151" y="2568738"/>
-            <a:ext cx="10254819" cy="3323987"/>
+            <a:ext cx="10254819" cy="4308872"/>
           </a:xfrm>
           <a:prstGeom prst="rect">
             <a:avLst/>
@@ -7736,9 +7736,6 @@
           <a:lstStyle/>
           <a:p>
             <a:pPr marL="285750" indent="-285750">
-              <a:lnSpc>
-                <a:spcPct val="150000"/>
-              </a:lnSpc>
               <a:buFont typeface="Arial" panose="020B0604020202020204" pitchFamily="34" charset="0"/>
               <a:buChar char="•"/>
             </a:pPr>
@@ -7748,18 +7745,10 @@
             </a:r>
           </a:p>
           <a:p>
-            <a:pPr>
-              <a:lnSpc>
-                <a:spcPct val="150000"/>
-              </a:lnSpc>
-            </a:pPr>
             <a:endParaRPr lang="en-US" sz="1600" dirty="0"/>
           </a:p>
           <a:p>
             <a:pPr marL="285750" indent="-285750">
-              <a:lnSpc>
-                <a:spcPct val="150000"/>
-              </a:lnSpc>
               <a:buFont typeface="Arial" panose="020B0604020202020204" pitchFamily="34" charset="0"/>
               <a:buChar char="•"/>
             </a:pPr>
@@ -7773,10 +7762,28 @@
             </a:r>
           </a:p>
           <a:p>
+            <a:endParaRPr lang="en-US" sz="1600" dirty="0">
+              <a:solidFill>
+                <a:prstClr val="white"/>
+              </a:solidFill>
+            </a:endParaRPr>
+          </a:p>
+          <a:p>
             <a:pPr marL="285750" indent="-285750">
-              <a:lnSpc>
-                <a:spcPct val="150000"/>
-              </a:lnSpc>
+              <a:buFont typeface="Arial" panose="020B0604020202020204" pitchFamily="34" charset="0"/>
+              <a:buChar char="•"/>
+            </a:pPr>
+            <a:r>
+              <a:rPr lang="en-US" sz="1600" dirty="0">
+                <a:solidFill>
+                  <a:prstClr val="white"/>
+                </a:solidFill>
+              </a:rPr>
+              <a:t>Due to Heroku data limits, psychostimulants were removed from the dataset</a:t>
+            </a:r>
+          </a:p>
+          <a:p>
+            <a:pPr marL="285750" indent="-285750">
               <a:buFont typeface="Arial" panose="020B0604020202020204" pitchFamily="34" charset="0"/>
               <a:buChar char="•"/>
             </a:pPr>
@@ -7788,9 +7795,38 @@
           </a:p>
           <a:p>
             <a:pPr marL="285750" indent="-285750">
-              <a:lnSpc>
-                <a:spcPct val="150000"/>
-              </a:lnSpc>
+              <a:buFont typeface="Arial" panose="020B0604020202020204" pitchFamily="34" charset="0"/>
+              <a:buChar char="•"/>
+            </a:pPr>
+            <a:r>
+              <a:rPr lang="en-US" sz="1600" dirty="0">
+                <a:solidFill>
+                  <a:prstClr val="white"/>
+                </a:solidFill>
+              </a:rPr>
+              <a:t>The quality of data reported by medical examiners varies by state. The CDC has noted that some states have a tendency to report drug poisoning deaths without listing a specific drug. The analysis incorporates this research to identify states that have higher death rates as a result of overdose in the United States from 2016-2019.</a:t>
+            </a:r>
+          </a:p>
+          <a:p>
+            <a:pPr marL="285750" indent="-285750">
+              <a:buFont typeface="Arial" panose="020B0604020202020204" pitchFamily="34" charset="0"/>
+              <a:buChar char="•"/>
+            </a:pPr>
+            <a:endParaRPr lang="en-US" sz="1600" dirty="0">
+              <a:solidFill>
+                <a:prstClr val="white"/>
+              </a:solidFill>
+            </a:endParaRPr>
+          </a:p>
+          <a:p>
+            <a:endParaRPr lang="en-US" sz="1600" dirty="0">
+              <a:solidFill>
+                <a:prstClr val="white"/>
+              </a:solidFill>
+            </a:endParaRPr>
+          </a:p>
+          <a:p>
+            <a:pPr marL="285750" indent="-285750">
               <a:buFont typeface="Arial" panose="020B0604020202020204" pitchFamily="34" charset="0"/>
               <a:buChar char="•"/>
             </a:pPr>
@@ -7810,6 +7846,17 @@
               </a:rPr>
               <a:t> graphing library contained a number of limitations to our webpage visualizations and how the data was represented on each graph. </a:t>
             </a:r>
+          </a:p>
+          <a:p>
+            <a:pPr marL="285750" indent="-285750">
+              <a:buFont typeface="Arial" panose="020B0604020202020204" pitchFamily="34" charset="0"/>
+              <a:buChar char="•"/>
+            </a:pPr>
+            <a:endParaRPr lang="en-US" sz="1600" dirty="0">
+              <a:solidFill>
+                <a:prstClr val="white"/>
+              </a:solidFill>
+            </a:endParaRPr>
           </a:p>
           <a:p>
             <a:endParaRPr lang="en-US" dirty="0"/>

--- a/Presentation/Project-2 Slides.pptx
+++ b/Presentation/Project-2 Slides.pptx
@@ -202,7 +202,7 @@
           <a:p>
             <a:fld id="{B1907CEC-2217-AC43-B817-3592D55B72A4}" type="datetimeFigureOut">
               <a:rPr lang="en-US" smtClean="0"/>
-              <a:t>12/11/2020</a:t>
+              <a:t>12/12/2020</a:t>
             </a:fld>
             <a:endParaRPr lang="en-US"/>
           </a:p>
@@ -534,7 +534,7 @@
           <a:p>
             <a:fld id="{E0B1D245-E490-3D46-857A-E6280C218B29}" type="slidenum">
               <a:rPr lang="en-US" smtClean="0"/>
-              <a:t>2</a:t>
+              <a:t>1</a:t>
             </a:fld>
             <a:endParaRPr lang="en-US"/>
           </a:p>
@@ -543,7 +543,7 @@
     </p:spTree>
     <p:extLst>
       <p:ext uri="{BB962C8B-B14F-4D97-AF65-F5344CB8AC3E}">
-        <p14:creationId xmlns:p14="http://schemas.microsoft.com/office/powerpoint/2010/main" val="3155557166"/>
+        <p14:creationId xmlns:p14="http://schemas.microsoft.com/office/powerpoint/2010/main" val="3589864200"/>
       </p:ext>
     </p:extLst>
   </p:cSld>
@@ -618,6 +618,90 @@
           <a:p>
             <a:fld id="{E0B1D245-E490-3D46-857A-E6280C218B29}" type="slidenum">
               <a:rPr lang="en-US" smtClean="0"/>
+              <a:t>2</a:t>
+            </a:fld>
+            <a:endParaRPr lang="en-US"/>
+          </a:p>
+        </p:txBody>
+      </p:sp>
+    </p:spTree>
+    <p:extLst>
+      <p:ext uri="{BB962C8B-B14F-4D97-AF65-F5344CB8AC3E}">
+        <p14:creationId xmlns:p14="http://schemas.microsoft.com/office/powerpoint/2010/main" val="3155557166"/>
+      </p:ext>
+    </p:extLst>
+  </p:cSld>
+  <p:clrMapOvr>
+    <a:masterClrMapping/>
+  </p:clrMapOvr>
+</p:notes>
+</file>
+
+<file path=ppt/notesSlides/notesSlide3.xml><?xml version="1.0" encoding="utf-8"?>
+<p:notes xmlns:a="http://schemas.openxmlformats.org/drawingml/2006/main" xmlns:r="http://schemas.openxmlformats.org/officeDocument/2006/relationships" xmlns:p="http://schemas.openxmlformats.org/presentationml/2006/main">
+  <p:cSld>
+    <p:spTree>
+      <p:nvGrpSpPr>
+        <p:cNvPr id="1" name=""/>
+        <p:cNvGrpSpPr/>
+        <p:nvPr/>
+      </p:nvGrpSpPr>
+      <p:grpSpPr>
+        <a:xfrm>
+          <a:off x="0" y="0"/>
+          <a:ext cx="0" cy="0"/>
+          <a:chOff x="0" y="0"/>
+          <a:chExt cx="0" cy="0"/>
+        </a:xfrm>
+      </p:grpSpPr>
+      <p:sp>
+        <p:nvSpPr>
+          <p:cNvPr id="2" name="Slide Image Placeholder 1"/>
+          <p:cNvSpPr>
+            <a:spLocks noGrp="1" noRot="1" noChangeAspect="1"/>
+          </p:cNvSpPr>
+          <p:nvPr>
+            <p:ph type="sldImg"/>
+          </p:nvPr>
+        </p:nvSpPr>
+        <p:spPr/>
+      </p:sp>
+      <p:sp>
+        <p:nvSpPr>
+          <p:cNvPr id="3" name="Notes Placeholder 2"/>
+          <p:cNvSpPr>
+            <a:spLocks noGrp="1"/>
+          </p:cNvSpPr>
+          <p:nvPr>
+            <p:ph type="body" idx="1"/>
+          </p:nvPr>
+        </p:nvSpPr>
+        <p:spPr/>
+        <p:txBody>
+          <a:bodyPr/>
+          <a:lstStyle/>
+          <a:p>
+            <a:endParaRPr lang="en-US" dirty="0"/>
+          </a:p>
+        </p:txBody>
+      </p:sp>
+      <p:sp>
+        <p:nvSpPr>
+          <p:cNvPr id="4" name="Slide Number Placeholder 3"/>
+          <p:cNvSpPr>
+            <a:spLocks noGrp="1"/>
+          </p:cNvSpPr>
+          <p:nvPr>
+            <p:ph type="sldNum" sz="quarter" idx="5"/>
+          </p:nvPr>
+        </p:nvSpPr>
+        <p:spPr/>
+        <p:txBody>
+          <a:bodyPr/>
+          <a:lstStyle/>
+          <a:p>
+            <a:fld id="{E0B1D245-E490-3D46-857A-E6280C218B29}" type="slidenum">
+              <a:rPr lang="en-US" smtClean="0"/>
               <a:t>3</a:t>
             </a:fld>
             <a:endParaRPr lang="en-US"/>
@@ -637,7 +721,7 @@
 </p:notes>
 </file>
 
-<file path=ppt/notesSlides/notesSlide3.xml><?xml version="1.0" encoding="utf-8"?>
+<file path=ppt/notesSlides/notesSlide4.xml><?xml version="1.0" encoding="utf-8"?>
 <p:notes xmlns:a="http://schemas.openxmlformats.org/drawingml/2006/main" xmlns:r="http://schemas.openxmlformats.org/officeDocument/2006/relationships" xmlns:p="http://schemas.openxmlformats.org/presentationml/2006/main">
   <p:cSld>
     <p:spTree>
@@ -781,7 +865,7 @@
 </p:notes>
 </file>
 
-<file path=ppt/notesSlides/notesSlide4.xml><?xml version="1.0" encoding="utf-8"?>
+<file path=ppt/notesSlides/notesSlide5.xml><?xml version="1.0" encoding="utf-8"?>
 <p:notes xmlns:a="http://schemas.openxmlformats.org/drawingml/2006/main" xmlns:r="http://schemas.openxmlformats.org/officeDocument/2006/relationships" xmlns:p="http://schemas.openxmlformats.org/presentationml/2006/main">
   <p:cSld>
     <p:spTree>
@@ -925,7 +1009,7 @@
 </p:notes>
 </file>
 
-<file path=ppt/notesSlides/notesSlide5.xml><?xml version="1.0" encoding="utf-8"?>
+<file path=ppt/notesSlides/notesSlide6.xml><?xml version="1.0" encoding="utf-8"?>
 <p:notes xmlns:a="http://schemas.openxmlformats.org/drawingml/2006/main" xmlns:r="http://schemas.openxmlformats.org/officeDocument/2006/relationships" xmlns:p="http://schemas.openxmlformats.org/presentationml/2006/main">
   <p:cSld>
     <p:spTree>
@@ -1156,7 +1240,7 @@
           <a:p>
             <a:fld id="{02AC24A9-CCB6-4F8D-B8DB-C2F3692CFA5A}" type="datetimeFigureOut">
               <a:rPr lang="en-US" smtClean="0"/>
-              <a:t>12/11/2020</a:t>
+              <a:t>12/12/2020</a:t>
             </a:fld>
             <a:endParaRPr lang="en-US" dirty="0"/>
           </a:p>
@@ -1354,7 +1438,7 @@
           <a:p>
             <a:fld id="{02AC24A9-CCB6-4F8D-B8DB-C2F3692CFA5A}" type="datetimeFigureOut">
               <a:rPr lang="en-US" smtClean="0"/>
-              <a:t>12/11/2020</a:t>
+              <a:t>12/12/2020</a:t>
             </a:fld>
             <a:endParaRPr lang="en-US"/>
           </a:p>
@@ -1562,7 +1646,7 @@
           <a:p>
             <a:fld id="{02AC24A9-CCB6-4F8D-B8DB-C2F3692CFA5A}" type="datetimeFigureOut">
               <a:rPr lang="en-US" smtClean="0"/>
-              <a:t>12/11/2020</a:t>
+              <a:t>12/12/2020</a:t>
             </a:fld>
             <a:endParaRPr lang="en-US"/>
           </a:p>
@@ -2424,7 +2508,7 @@
           <a:p>
             <a:fld id="{02AC24A9-CCB6-4F8D-B8DB-C2F3692CFA5A}" type="datetimeFigureOut">
               <a:rPr lang="en-US" smtClean="0"/>
-              <a:t>12/11/2020</a:t>
+              <a:t>12/12/2020</a:t>
             </a:fld>
             <a:endParaRPr lang="en-US"/>
           </a:p>
@@ -2699,7 +2783,7 @@
           <a:p>
             <a:fld id="{02AC24A9-CCB6-4F8D-B8DB-C2F3692CFA5A}" type="datetimeFigureOut">
               <a:rPr lang="en-US" smtClean="0"/>
-              <a:t>12/11/2020</a:t>
+              <a:t>12/12/2020</a:t>
             </a:fld>
             <a:endParaRPr lang="en-US"/>
           </a:p>
@@ -2964,7 +3048,7 @@
           <a:p>
             <a:fld id="{02AC24A9-CCB6-4F8D-B8DB-C2F3692CFA5A}" type="datetimeFigureOut">
               <a:rPr lang="en-US" smtClean="0"/>
-              <a:t>12/11/2020</a:t>
+              <a:t>12/12/2020</a:t>
             </a:fld>
             <a:endParaRPr lang="en-US"/>
           </a:p>
@@ -3376,7 +3460,7 @@
           <a:p>
             <a:fld id="{02AC24A9-CCB6-4F8D-B8DB-C2F3692CFA5A}" type="datetimeFigureOut">
               <a:rPr lang="en-US" smtClean="0"/>
-              <a:t>12/11/2020</a:t>
+              <a:t>12/12/2020</a:t>
             </a:fld>
             <a:endParaRPr lang="en-US"/>
           </a:p>
@@ -3517,7 +3601,7 @@
           <a:p>
             <a:fld id="{02AC24A9-CCB6-4F8D-B8DB-C2F3692CFA5A}" type="datetimeFigureOut">
               <a:rPr lang="en-US" smtClean="0"/>
-              <a:t>12/11/2020</a:t>
+              <a:t>12/12/2020</a:t>
             </a:fld>
             <a:endParaRPr lang="en-US"/>
           </a:p>
@@ -3630,7 +3714,7 @@
           <a:p>
             <a:fld id="{02AC24A9-CCB6-4F8D-B8DB-C2F3692CFA5A}" type="datetimeFigureOut">
               <a:rPr lang="en-US" smtClean="0"/>
-              <a:t>12/11/2020</a:t>
+              <a:t>12/12/2020</a:t>
             </a:fld>
             <a:endParaRPr lang="en-US"/>
           </a:p>
@@ -3941,7 +4025,7 @@
           <a:p>
             <a:fld id="{02AC24A9-CCB6-4F8D-B8DB-C2F3692CFA5A}" type="datetimeFigureOut">
               <a:rPr lang="en-US" smtClean="0"/>
-              <a:t>12/11/2020</a:t>
+              <a:t>12/12/2020</a:t>
             </a:fld>
             <a:endParaRPr lang="en-US" dirty="0"/>
           </a:p>
@@ -4229,7 +4313,7 @@
           <a:p>
             <a:fld id="{02AC24A9-CCB6-4F8D-B8DB-C2F3692CFA5A}" type="datetimeFigureOut">
               <a:rPr lang="en-US" smtClean="0"/>
-              <a:t>12/11/2020</a:t>
+              <a:t>12/12/2020</a:t>
             </a:fld>
             <a:endParaRPr lang="en-US"/>
           </a:p>
@@ -4470,7 +4554,7 @@
           <a:p>
             <a:fld id="{02AC24A9-CCB6-4F8D-B8DB-C2F3692CFA5A}" type="datetimeFigureOut">
               <a:rPr lang="en-US" smtClean="0"/>
-              <a:t>12/11/2020</a:t>
+              <a:t>12/12/2020</a:t>
             </a:fld>
             <a:endParaRPr lang="en-US"/>
           </a:p>
@@ -5097,7 +5181,7 @@
           </p:nvPr>
         </p:nvPicPr>
         <p:blipFill rotWithShape="1">
-          <a:blip r:embed="rId2"/>
+          <a:blip r:embed="rId3"/>
           <a:srcRect l="16186" r="21042" b="1"/>
           <a:stretch/>
         </p:blipFill>
@@ -6557,7 +6641,7 @@
                 <a:latin typeface="Arial" panose="020B0604020202020204" pitchFamily="34" charset="0"/>
                 <a:cs typeface="Arial" panose="020B0604020202020204" pitchFamily="34" charset="0"/>
               </a:rPr>
-              <a:t>HOW DID WE ACHIVE THIS?</a:t>
+              <a:t>HOW DID WE ACHEIVE THIS?</a:t>
             </a:r>
           </a:p>
         </p:txBody>
@@ -6823,7 +6907,7 @@
                   <a:prstClr val="white"/>
                 </a:solidFill>
               </a:rPr>
-              <a:t>Data munching and cleaning in python. Unnecessary columns and rows were removed or renamed. Applicable data was grouped together if need.</a:t>
+              <a:t>Data munging and cleaning in python. Unnecessary columns and rows were removed or renamed. Applicable data was grouped together if need.</a:t>
             </a:r>
           </a:p>
           <a:p>
@@ -7722,7 +7806,7 @@
         <p:spPr>
           <a:xfrm>
             <a:off x="345151" y="2568738"/>
-            <a:ext cx="10254819" cy="4308872"/>
+            <a:ext cx="10254819" cy="4062651"/>
           </a:xfrm>
           <a:prstGeom prst="rect">
             <a:avLst/>
@@ -7806,17 +7890,6 @@
               </a:rPr>
               <a:t>The quality of data reported by medical examiners varies by state. The CDC has noted that some states have a tendency to report drug poisoning deaths without listing a specific drug. The analysis incorporates this research to identify states that have higher death rates as a result of overdose in the United States from 2016-2019.</a:t>
             </a:r>
-          </a:p>
-          <a:p>
-            <a:pPr marL="285750" indent="-285750">
-              <a:buFont typeface="Arial" panose="020B0604020202020204" pitchFamily="34" charset="0"/>
-              <a:buChar char="•"/>
-            </a:pPr>
-            <a:endParaRPr lang="en-US" sz="1600" dirty="0">
-              <a:solidFill>
-                <a:prstClr val="white"/>
-              </a:solidFill>
-            </a:endParaRPr>
           </a:p>
           <a:p>
             <a:endParaRPr lang="en-US" sz="1600" dirty="0">
